--- a/DBSA Chess Game.pptx
+++ b/DBSA Chess Game.pptx
@@ -139,6 +139,11 @@
       </a:defRPr>
     </a:lvl9pPr>
   </p:defaultTextStyle>
+  <p:extLst>
+    <p:ext uri="{EFAFB233-063F-42B5-8137-9DF3F51BA10A}">
+      <p15:sldGuideLst xmlns:p15="http://schemas.microsoft.com/office/powerpoint/2012/main"/>
+    </p:ext>
+  </p:extLst>
 </p:presentation>
 </file>
 
@@ -16977,6 +16982,14 @@
               </a:rPr>
               <a:t> </a:t>
             </a:r>
+          </a:p>
+          <a:p>
+            <a:pPr algn="just">
+              <a:lnSpc>
+                <a:spcPct val="100000"/>
+              </a:lnSpc>
+              <a:buNone/>
+            </a:pPr>
             <a:r>
               <a:rPr lang="en-US" sz="1800" b="0" strike="noStrike" spc="-1" dirty="0" err="1">
                 <a:solidFill>
@@ -16993,24 +17006,7 @@
                 </a:solidFill>
                 <a:latin typeface="Calibri"/>
               </a:rPr>
-              <a:t> </a:t>
-            </a:r>
-          </a:p>
-          <a:p>
-            <a:pPr algn="just">
-              <a:lnSpc>
-                <a:spcPct val="100000"/>
-              </a:lnSpc>
-              <a:buNone/>
-            </a:pPr>
-            <a:r>
-              <a:rPr lang="en-US" sz="1800" b="0" strike="noStrike" spc="-1" dirty="0">
-                <a:solidFill>
-                  <a:srgbClr val="FFFFFF"/>
-                </a:solidFill>
-                <a:latin typeface="Calibri"/>
-              </a:rPr>
-              <a:t>Peace </a:t>
+              <a:t> Peace </a:t>
             </a:r>
             <a:r>
               <a:rPr lang="en-US" sz="1800" b="0" strike="noStrike" spc="-1" dirty="0" err="1">
